--- a/fRouge/Pick & play.pptx
+++ b/fRouge/Pick & play.pptx
@@ -307,7 +307,7 @@
             <a:fld id="{B61BEF0D-F0BB-DE4B-95CE-6DB70DBA9567}" type="datetimeFigureOut">
               <a:rPr lang="en-US" dirty="0"/>
               <a:pPr/>
-              <a:t>5/29/2020</a:t>
+              <a:t>10/12/2023</a:t>
             </a:fld>
             <a:endParaRPr lang="en-US" dirty="0"/>
           </a:p>
@@ -740,7 +740,7 @@
             <a:fld id="{B61BEF0D-F0BB-DE4B-95CE-6DB70DBA9567}" type="datetimeFigureOut">
               <a:rPr lang="en-US" dirty="0"/>
               <a:pPr/>
-              <a:t>5/29/2020</a:t>
+              <a:t>10/12/2023</a:t>
             </a:fld>
             <a:endParaRPr lang="en-US" dirty="0"/>
           </a:p>
@@ -985,7 +985,7 @@
             <a:fld id="{B61BEF0D-F0BB-DE4B-95CE-6DB70DBA9567}" type="datetimeFigureOut">
               <a:rPr lang="en-US" dirty="0"/>
               <a:pPr/>
-              <a:t>5/29/2020</a:t>
+              <a:t>10/12/2023</a:t>
             </a:fld>
             <a:endParaRPr lang="en-US" dirty="0"/>
           </a:p>
@@ -1288,7 +1288,7 @@
             <a:fld id="{B61BEF0D-F0BB-DE4B-95CE-6DB70DBA9567}" type="datetimeFigureOut">
               <a:rPr lang="en-US" dirty="0"/>
               <a:pPr/>
-              <a:t>5/29/2020</a:t>
+              <a:t>10/12/2023</a:t>
             </a:fld>
             <a:endParaRPr lang="en-US" dirty="0"/>
           </a:p>
@@ -1601,7 +1601,7 @@
             <a:fld id="{B61BEF0D-F0BB-DE4B-95CE-6DB70DBA9567}" type="datetimeFigureOut">
               <a:rPr lang="en-US" dirty="0"/>
               <a:pPr/>
-              <a:t>5/29/2020</a:t>
+              <a:t>10/12/2023</a:t>
             </a:fld>
             <a:endParaRPr lang="en-US" dirty="0"/>
           </a:p>
@@ -1898,7 +1898,7 @@
             <a:fld id="{B61BEF0D-F0BB-DE4B-95CE-6DB70DBA9567}" type="datetimeFigureOut">
               <a:rPr lang="en-US" dirty="0"/>
               <a:pPr/>
-              <a:t>5/29/2020</a:t>
+              <a:t>10/12/2023</a:t>
             </a:fld>
             <a:endParaRPr lang="en-US" dirty="0"/>
           </a:p>
@@ -2260,7 +2260,7 @@
             <a:fld id="{B61BEF0D-F0BB-DE4B-95CE-6DB70DBA9567}" type="datetimeFigureOut">
               <a:rPr lang="en-US" dirty="0"/>
               <a:pPr/>
-              <a:t>5/29/2020</a:t>
+              <a:t>10/12/2023</a:t>
             </a:fld>
             <a:endParaRPr lang="en-US" dirty="0"/>
           </a:p>
@@ -2431,7 +2431,7 @@
             <a:fld id="{B61BEF0D-F0BB-DE4B-95CE-6DB70DBA9567}" type="datetimeFigureOut">
               <a:rPr lang="en-US" dirty="0"/>
               <a:pPr/>
-              <a:t>5/29/2020</a:t>
+              <a:t>10/12/2023</a:t>
             </a:fld>
             <a:endParaRPr lang="en-US" dirty="0"/>
           </a:p>
@@ -2608,7 +2608,7 @@
             <a:fld id="{B61BEF0D-F0BB-DE4B-95CE-6DB70DBA9567}" type="datetimeFigureOut">
               <a:rPr lang="en-US" dirty="0"/>
               <a:pPr/>
-              <a:t>5/29/2020</a:t>
+              <a:t>10/12/2023</a:t>
             </a:fld>
             <a:endParaRPr lang="en-US" dirty="0"/>
           </a:p>
@@ -2775,7 +2775,7 @@
             <a:fld id="{B61BEF0D-F0BB-DE4B-95CE-6DB70DBA9567}" type="datetimeFigureOut">
               <a:rPr lang="en-US" dirty="0"/>
               <a:pPr/>
-              <a:t>5/29/2020</a:t>
+              <a:t>10/12/2023</a:t>
             </a:fld>
             <a:endParaRPr lang="en-US" dirty="0"/>
           </a:p>
@@ -3020,7 +3020,7 @@
             <a:fld id="{B61BEF0D-F0BB-DE4B-95CE-6DB70DBA9567}" type="datetimeFigureOut">
               <a:rPr lang="en-US" dirty="0"/>
               <a:pPr/>
-              <a:t>5/29/2020</a:t>
+              <a:t>10/12/2023</a:t>
             </a:fld>
             <a:endParaRPr lang="en-US" dirty="0"/>
           </a:p>
@@ -3253,7 +3253,7 @@
             <a:fld id="{B61BEF0D-F0BB-DE4B-95CE-6DB70DBA9567}" type="datetimeFigureOut">
               <a:rPr lang="en-US" dirty="0"/>
               <a:pPr/>
-              <a:t>5/29/2020</a:t>
+              <a:t>10/12/2023</a:t>
             </a:fld>
             <a:endParaRPr lang="en-US" dirty="0"/>
           </a:p>
@@ -3632,7 +3632,7 @@
             <a:fld id="{B61BEF0D-F0BB-DE4B-95CE-6DB70DBA9567}" type="datetimeFigureOut">
               <a:rPr lang="en-US" dirty="0"/>
               <a:pPr/>
-              <a:t>5/29/2020</a:t>
+              <a:t>10/12/2023</a:t>
             </a:fld>
             <a:endParaRPr lang="en-US" dirty="0"/>
           </a:p>
@@ -3747,7 +3747,7 @@
             <a:fld id="{B61BEF0D-F0BB-DE4B-95CE-6DB70DBA9567}" type="datetimeFigureOut">
               <a:rPr lang="en-US" dirty="0"/>
               <a:pPr/>
-              <a:t>5/29/2020</a:t>
+              <a:t>10/12/2023</a:t>
             </a:fld>
             <a:endParaRPr lang="en-US" dirty="0"/>
           </a:p>
@@ -3839,7 +3839,7 @@
             <a:fld id="{B61BEF0D-F0BB-DE4B-95CE-6DB70DBA9567}" type="datetimeFigureOut">
               <a:rPr lang="en-US" dirty="0"/>
               <a:pPr/>
-              <a:t>5/29/2020</a:t>
+              <a:t>10/12/2023</a:t>
             </a:fld>
             <a:endParaRPr lang="en-US" dirty="0"/>
           </a:p>
@@ -4091,7 +4091,7 @@
             <a:fld id="{B61BEF0D-F0BB-DE4B-95CE-6DB70DBA9567}" type="datetimeFigureOut">
               <a:rPr lang="en-US" dirty="0"/>
               <a:pPr/>
-              <a:t>5/29/2020</a:t>
+              <a:t>10/12/2023</a:t>
             </a:fld>
             <a:endParaRPr lang="en-US" dirty="0"/>
           </a:p>
@@ -4371,7 +4371,7 @@
             <a:fld id="{B61BEF0D-F0BB-DE4B-95CE-6DB70DBA9567}" type="datetimeFigureOut">
               <a:rPr lang="en-US" dirty="0"/>
               <a:pPr/>
-              <a:t>5/29/2020</a:t>
+              <a:t>10/12/2023</a:t>
             </a:fld>
             <a:endParaRPr lang="en-US" dirty="0"/>
           </a:p>
@@ -4774,7 +4774,7 @@
             <a:fld id="{B61BEF0D-F0BB-DE4B-95CE-6DB70DBA9567}" type="datetimeFigureOut">
               <a:rPr lang="en-US" dirty="0"/>
               <a:pPr/>
-              <a:t>5/29/2020</a:t>
+              <a:t>10/12/2023</a:t>
             </a:fld>
             <a:endParaRPr lang="en-US" dirty="0"/>
           </a:p>
@@ -5310,11 +5310,11 @@
           <a:p>
             <a:r>
               <a:rPr lang="fr-FR" dirty="0"/>
-              <a:t>Pick &amp; </a:t>
-            </a:r>
-            <a:r>
-              <a:rPr lang="fr-FR" dirty="0" err="1"/>
-              <a:t>play</a:t>
+              <a:t>Prendre </a:t>
+            </a:r>
+            <a:r>
+              <a:rPr lang="fr-FR"/>
+              <a:t>et jouer</a:t>
             </a:r>
             <a:endParaRPr lang="fr-FR" dirty="0"/>
           </a:p>
@@ -5338,13 +5338,24 @@
         </p:nvSpPr>
         <p:spPr/>
         <p:txBody>
-          <a:bodyPr/>
+          <a:bodyPr>
+            <a:normAutofit fontScale="55000" lnSpcReduction="20000"/>
+          </a:bodyPr>
           <a:lstStyle/>
           <a:p>
             <a:r>
               <a:rPr lang="fr-FR" dirty="0"/>
               <a:t>La location de jeux pour vous !</a:t>
             </a:r>
+          </a:p>
+          <a:p>
+            <a:endParaRPr lang="fr-FR" dirty="0"/>
+          </a:p>
+          <a:p>
+            <a:endParaRPr lang="fr-FR" dirty="0"/>
+          </a:p>
+          <a:p>
+            <a:endParaRPr lang="fr-FR" dirty="0"/>
           </a:p>
           <a:p>
             <a:endParaRPr lang="fr-FR" dirty="0"/>
@@ -5801,12 +5812,12 @@
           <a:graphicData uri="http://schemas.openxmlformats.org/presentationml/2006/ole">
             <mc:AlternateContent xmlns:mc="http://schemas.openxmlformats.org/markup-compatibility/2006">
               <mc:Choice xmlns:v="urn:schemas-microsoft-com:vml" Requires="v">
-                <p:oleObj spid="_x0000_s1027" name="Acrobat Document" showAsIcon="1" r:id="rId3" imgW="914400" imgH="792360" progId="AcroExch.Document.DC">
+                <p:oleObj name="Acrobat Document" showAsIcon="1" r:id="rId2" imgW="914400" imgH="792360" progId="AcroExch.Document.DC">
                   <p:embed/>
                 </p:oleObj>
               </mc:Choice>
               <mc:Fallback>
-                <p:oleObj name="Acrobat Document" showAsIcon="1" r:id="rId3" imgW="914400" imgH="792360" progId="AcroExch.Document.DC">
+                <p:oleObj name="Acrobat Document" showAsIcon="1" r:id="rId2" imgW="914400" imgH="792360" progId="AcroExch.Document.DC">
                   <p:embed/>
                   <p:pic>
                     <p:nvPicPr>
@@ -5815,7 +5826,7 @@
                       <p:nvPr/>
                     </p:nvPicPr>
                     <p:blipFill>
-                      <a:blip r:embed="rId4"/>
+                      <a:blip r:embed="rId3"/>
                       <a:stretch>
                         <a:fillRect/>
                       </a:stretch>
